--- a/Bicep/Bicep.pptx
+++ b/Bicep/Bicep.pptx
@@ -5,7 +5,7 @@
     <p:sldMasterId id="2147483659" r:id="rId1"/>
   </p:sldMasterIdLst>
   <p:notesMasterIdLst>
-    <p:notesMasterId r:id="rId11"/>
+    <p:notesMasterId r:id="rId13"/>
   </p:notesMasterIdLst>
   <p:sldIdLst>
     <p:sldId id="256" r:id="rId2"/>
@@ -16,19 +16,21 @@
     <p:sldId id="258" r:id="rId7"/>
     <p:sldId id="264" r:id="rId8"/>
     <p:sldId id="298" r:id="rId9"/>
-    <p:sldId id="262" r:id="rId10"/>
+    <p:sldId id="300" r:id="rId10"/>
+    <p:sldId id="262" r:id="rId11"/>
+    <p:sldId id="299" r:id="rId12"/>
   </p:sldIdLst>
   <p:sldSz cx="9144000" cy="5143500" type="screen16x9"/>
   <p:notesSz cx="6858000" cy="9144000"/>
   <p:embeddedFontLst>
     <p:embeddedFont>
       <p:font typeface="Lexend Deca" panose="020B0604020202020204" charset="-78"/>
-      <p:regular r:id="rId12"/>
+      <p:regular r:id="rId14"/>
     </p:embeddedFont>
     <p:embeddedFont>
       <p:font typeface="Muli" panose="02000503040000020004" pitchFamily="2" charset="0"/>
-      <p:regular r:id="rId13"/>
-      <p:italic r:id="rId14"/>
+      <p:regular r:id="rId15"/>
+      <p:italic r:id="rId16"/>
     </p:embeddedFont>
   </p:embeddedFontLst>
   <p:defaultTextStyle>
@@ -813,6 +815,219 @@
 </p:notes>
 </file>
 
+<file path=ppt/notesSlides/notesSlide10.xml><?xml version="1.0" encoding="utf-8"?>
+<p:notes xmlns:a="http://schemas.openxmlformats.org/drawingml/2006/main" xmlns:r="http://schemas.openxmlformats.org/officeDocument/2006/relationships" xmlns:p="http://schemas.openxmlformats.org/presentationml/2006/main" showMasterSp="0" showMasterPhAnim="0">
+  <p:cSld>
+    <p:spTree>
+      <p:nvGrpSpPr>
+        <p:cNvPr id="1" name="Shape 106"/>
+        <p:cNvGrpSpPr/>
+        <p:nvPr/>
+      </p:nvGrpSpPr>
+      <p:grpSpPr>
+        <a:xfrm>
+          <a:off x="0" y="0"/>
+          <a:ext cx="0" cy="0"/>
+          <a:chOff x="0" y="0"/>
+          <a:chExt cx="0" cy="0"/>
+        </a:xfrm>
+      </p:grpSpPr>
+      <p:sp>
+        <p:nvSpPr>
+          <p:cNvPr id="107" name="Google Shape;107;g35ed75ccf_015:notes"/>
+          <p:cNvSpPr>
+            <a:spLocks noGrp="1" noRot="1" noChangeAspect="1"/>
+          </p:cNvSpPr>
+          <p:nvPr>
+            <p:ph type="sldImg" idx="2"/>
+          </p:nvPr>
+        </p:nvSpPr>
+        <p:spPr>
+          <a:xfrm>
+            <a:off x="381000" y="685800"/>
+            <a:ext cx="6096000" cy="3429000"/>
+          </a:xfrm>
+          <a:custGeom>
+            <a:avLst/>
+            <a:gdLst/>
+            <a:ahLst/>
+            <a:cxnLst/>
+            <a:rect l="l" t="t" r="r" b="b"/>
+            <a:pathLst>
+              <a:path w="120000" h="120000" extrusionOk="0">
+                <a:moveTo>
+                  <a:pt x="0" y="0"/>
+                </a:moveTo>
+                <a:lnTo>
+                  <a:pt x="120000" y="0"/>
+                </a:lnTo>
+                <a:lnTo>
+                  <a:pt x="120000" y="120000"/>
+                </a:lnTo>
+                <a:lnTo>
+                  <a:pt x="0" y="120000"/>
+                </a:lnTo>
+                <a:close/>
+              </a:path>
+            </a:pathLst>
+          </a:custGeom>
+        </p:spPr>
+      </p:sp>
+      <p:sp>
+        <p:nvSpPr>
+          <p:cNvPr id="108" name="Google Shape;108;g35ed75ccf_015:notes"/>
+          <p:cNvSpPr txBox="1">
+            <a:spLocks noGrp="1"/>
+          </p:cNvSpPr>
+          <p:nvPr>
+            <p:ph type="body" idx="1"/>
+          </p:nvPr>
+        </p:nvSpPr>
+        <p:spPr>
+          <a:xfrm>
+            <a:off x="685800" y="4343400"/>
+            <a:ext cx="5486400" cy="4114800"/>
+          </a:xfrm>
+          <a:prstGeom prst="rect">
+            <a:avLst/>
+          </a:prstGeom>
+        </p:spPr>
+        <p:txBody>
+          <a:bodyPr spcFirstLastPara="1" wrap="square" lIns="91425" tIns="91425" rIns="91425" bIns="91425" anchor="t" anchorCtr="0">
+            <a:noAutofit/>
+          </a:bodyPr>
+          <a:lstStyle/>
+          <a:p>
+            <a:pPr marL="0" lvl="0" indent="0" algn="l" rtl="0">
+              <a:spcBef>
+                <a:spcPts val="0"/>
+              </a:spcBef>
+              <a:spcAft>
+                <a:spcPts val="0"/>
+              </a:spcAft>
+              <a:buNone/>
+            </a:pPr>
+            <a:endParaRPr/>
+          </a:p>
+        </p:txBody>
+      </p:sp>
+    </p:spTree>
+  </p:cSld>
+  <p:clrMapOvr>
+    <a:masterClrMapping/>
+  </p:clrMapOvr>
+</p:notes>
+</file>
+
+<file path=ppt/notesSlides/notesSlide11.xml><?xml version="1.0" encoding="utf-8"?>
+<p:notes xmlns:a="http://schemas.openxmlformats.org/drawingml/2006/main" xmlns:r="http://schemas.openxmlformats.org/officeDocument/2006/relationships" xmlns:p="http://schemas.openxmlformats.org/presentationml/2006/main" showMasterSp="0" showMasterPhAnim="0">
+  <p:cSld>
+    <p:spTree>
+      <p:nvGrpSpPr>
+        <p:cNvPr id="1" name="Shape 90"/>
+        <p:cNvGrpSpPr/>
+        <p:nvPr/>
+      </p:nvGrpSpPr>
+      <p:grpSpPr>
+        <a:xfrm>
+          <a:off x="0" y="0"/>
+          <a:ext cx="0" cy="0"/>
+          <a:chOff x="0" y="0"/>
+          <a:chExt cx="0" cy="0"/>
+        </a:xfrm>
+      </p:grpSpPr>
+      <p:sp>
+        <p:nvSpPr>
+          <p:cNvPr id="91" name="Google Shape;91;g35f391192_029:notes"/>
+          <p:cNvSpPr>
+            <a:spLocks noGrp="1" noRot="1" noChangeAspect="1"/>
+          </p:cNvSpPr>
+          <p:nvPr>
+            <p:ph type="sldImg" idx="2"/>
+          </p:nvPr>
+        </p:nvSpPr>
+        <p:spPr>
+          <a:xfrm>
+            <a:off x="381000" y="685800"/>
+            <a:ext cx="6096000" cy="3429000"/>
+          </a:xfrm>
+          <a:custGeom>
+            <a:avLst/>
+            <a:gdLst/>
+            <a:ahLst/>
+            <a:cxnLst/>
+            <a:rect l="l" t="t" r="r" b="b"/>
+            <a:pathLst>
+              <a:path w="120000" h="120000" extrusionOk="0">
+                <a:moveTo>
+                  <a:pt x="0" y="0"/>
+                </a:moveTo>
+                <a:lnTo>
+                  <a:pt x="120000" y="0"/>
+                </a:lnTo>
+                <a:lnTo>
+                  <a:pt x="120000" y="120000"/>
+                </a:lnTo>
+                <a:lnTo>
+                  <a:pt x="0" y="120000"/>
+                </a:lnTo>
+                <a:close/>
+              </a:path>
+            </a:pathLst>
+          </a:custGeom>
+        </p:spPr>
+      </p:sp>
+      <p:sp>
+        <p:nvSpPr>
+          <p:cNvPr id="92" name="Google Shape;92;g35f391192_029:notes"/>
+          <p:cNvSpPr txBox="1">
+            <a:spLocks noGrp="1"/>
+          </p:cNvSpPr>
+          <p:nvPr>
+            <p:ph type="body" idx="1"/>
+          </p:nvPr>
+        </p:nvSpPr>
+        <p:spPr>
+          <a:xfrm>
+            <a:off x="685800" y="4343400"/>
+            <a:ext cx="5486400" cy="4114800"/>
+          </a:xfrm>
+          <a:prstGeom prst="rect">
+            <a:avLst/>
+          </a:prstGeom>
+        </p:spPr>
+        <p:txBody>
+          <a:bodyPr spcFirstLastPara="1" wrap="square" lIns="91425" tIns="91425" rIns="91425" bIns="91425" anchor="t" anchorCtr="0">
+            <a:noAutofit/>
+          </a:bodyPr>
+          <a:lstStyle/>
+          <a:p>
+            <a:pPr marL="0" lvl="0" indent="0" algn="l" rtl="0">
+              <a:spcBef>
+                <a:spcPts val="0"/>
+              </a:spcBef>
+              <a:spcAft>
+                <a:spcPts val="0"/>
+              </a:spcAft>
+              <a:buNone/>
+            </a:pPr>
+            <a:endParaRPr/>
+          </a:p>
+        </p:txBody>
+      </p:sp>
+    </p:spTree>
+    <p:extLst>
+      <p:ext uri="{BB962C8B-B14F-4D97-AF65-F5344CB8AC3E}">
+        <p14:creationId xmlns:p14="http://schemas.microsoft.com/office/powerpoint/2010/main" val="1762040585"/>
+      </p:ext>
+    </p:extLst>
+  </p:cSld>
+  <p:clrMapOvr>
+    <a:masterClrMapping/>
+  </p:clrMapOvr>
+</p:notes>
+</file>
+
 <file path=ppt/notesSlides/notesSlide2.xml><?xml version="1.0" encoding="utf-8"?>
 <p:notes xmlns:a="http://schemas.openxmlformats.org/drawingml/2006/main" xmlns:r="http://schemas.openxmlformats.org/officeDocument/2006/relationships" xmlns:p="http://schemas.openxmlformats.org/presentationml/2006/main" showMasterSp="0" showMasterPhAnim="0">
   <p:cSld>
@@ -1617,7 +1832,7 @@
   <p:cSld>
     <p:spTree>
       <p:nvGrpSpPr>
-        <p:cNvPr id="1" name="Shape 106"/>
+        <p:cNvPr id="1" name="Shape 137"/>
         <p:cNvGrpSpPr/>
         <p:nvPr/>
       </p:nvGrpSpPr>
@@ -1631,7 +1846,7 @@
       </p:grpSpPr>
       <p:sp>
         <p:nvSpPr>
-          <p:cNvPr id="107" name="Google Shape;107;g35ed75ccf_015:notes"/>
+          <p:cNvPr id="138" name="Google Shape;138;g35f391192_045:notes"/>
           <p:cNvSpPr>
             <a:spLocks noGrp="1" noRot="1" noChangeAspect="1"/>
           </p:cNvSpPr>
@@ -1672,7 +1887,7 @@
       </p:sp>
       <p:sp>
         <p:nvSpPr>
-          <p:cNvPr id="108" name="Google Shape;108;g35ed75ccf_015:notes"/>
+          <p:cNvPr id="139" name="Google Shape;139;g35f391192_045:notes"/>
           <p:cNvSpPr txBox="1">
             <a:spLocks noGrp="1"/>
           </p:cNvSpPr>
@@ -1709,6 +1924,11 @@
         </p:txBody>
       </p:sp>
     </p:spTree>
+    <p:extLst>
+      <p:ext uri="{BB962C8B-B14F-4D97-AF65-F5344CB8AC3E}">
+        <p14:creationId xmlns:p14="http://schemas.microsoft.com/office/powerpoint/2010/main" val="8497087"/>
+      </p:ext>
+    </p:extLst>
   </p:cSld>
   <p:clrMapOvr>
     <a:masterClrMapping/>
@@ -5442,6 +5662,768 @@
         </p:spPr>
       </p:pic>
     </p:spTree>
+  </p:cSld>
+  <p:clrMapOvr>
+    <a:masterClrMapping/>
+  </p:clrMapOvr>
+</p:sld>
+</file>
+
+<file path=ppt/slides/slide10.xml><?xml version="1.0" encoding="utf-8"?>
+<p:sld xmlns:a="http://schemas.openxmlformats.org/drawingml/2006/main" xmlns:r="http://schemas.openxmlformats.org/officeDocument/2006/relationships" xmlns:p="http://schemas.openxmlformats.org/presentationml/2006/main">
+  <p:cSld>
+    <p:spTree>
+      <p:nvGrpSpPr>
+        <p:cNvPr id="1" name="Shape 109"/>
+        <p:cNvGrpSpPr/>
+        <p:nvPr/>
+      </p:nvGrpSpPr>
+      <p:grpSpPr>
+        <a:xfrm>
+          <a:off x="0" y="0"/>
+          <a:ext cx="0" cy="0"/>
+          <a:chOff x="0" y="0"/>
+          <a:chExt cx="0" cy="0"/>
+        </a:xfrm>
+      </p:grpSpPr>
+      <p:pic>
+        <p:nvPicPr>
+          <p:cNvPr id="110" name="Google Shape;110;p19"/>
+          <p:cNvPicPr preferRelativeResize="0"/>
+          <p:nvPr/>
+        </p:nvPicPr>
+        <p:blipFill>
+          <a:blip r:embed="rId3">
+            <a:alphaModFix/>
+          </a:blip>
+          <a:stretch>
+            <a:fillRect/>
+          </a:stretch>
+        </p:blipFill>
+        <p:spPr>
+          <a:xfrm>
+            <a:off x="5210416" y="2211062"/>
+            <a:ext cx="2017495" cy="1209250"/>
+          </a:xfrm>
+          <a:prstGeom prst="rect">
+            <a:avLst/>
+          </a:prstGeom>
+          <a:noFill/>
+          <a:ln>
+            <a:noFill/>
+          </a:ln>
+        </p:spPr>
+      </p:pic>
+      <p:sp>
+        <p:nvSpPr>
+          <p:cNvPr id="111" name="Google Shape;111;p19"/>
+          <p:cNvSpPr txBox="1">
+            <a:spLocks noGrp="1"/>
+          </p:cNvSpPr>
+          <p:nvPr>
+            <p:ph type="ctrTitle" idx="4294967295"/>
+          </p:nvPr>
+        </p:nvSpPr>
+        <p:spPr>
+          <a:xfrm>
+            <a:off x="685800" y="1032750"/>
+            <a:ext cx="3332700" cy="1980600"/>
+          </a:xfrm>
+          <a:prstGeom prst="rect">
+            <a:avLst/>
+          </a:prstGeom>
+        </p:spPr>
+        <p:txBody>
+          <a:bodyPr spcFirstLastPara="1" wrap="square" lIns="0" tIns="0" rIns="0" bIns="0" anchor="t" anchorCtr="0">
+            <a:noAutofit/>
+          </a:bodyPr>
+          <a:lstStyle/>
+          <a:p>
+            <a:pPr marL="0" lvl="0" indent="0" algn="l" rtl="0">
+              <a:spcBef>
+                <a:spcPts val="0"/>
+              </a:spcBef>
+              <a:spcAft>
+                <a:spcPts val="0"/>
+              </a:spcAft>
+              <a:buNone/>
+            </a:pPr>
+            <a:r>
+              <a:rPr lang="en" sz="6000" dirty="0"/>
+              <a:t>Let Me </a:t>
+            </a:r>
+            <a:r>
+              <a:rPr lang="en" sz="6000" dirty="0">
+                <a:solidFill>
+                  <a:schemeClr val="accent6"/>
+                </a:solidFill>
+              </a:rPr>
+              <a:t>Show</a:t>
+            </a:r>
+            <a:r>
+              <a:rPr lang="en" sz="6000" dirty="0"/>
+              <a:t> You</a:t>
+            </a:r>
+            <a:endParaRPr sz="6000" dirty="0"/>
+          </a:p>
+        </p:txBody>
+      </p:sp>
+      <p:sp>
+        <p:nvSpPr>
+          <p:cNvPr id="113" name="Google Shape;113;p19"/>
+          <p:cNvSpPr txBox="1">
+            <a:spLocks noGrp="1"/>
+          </p:cNvSpPr>
+          <p:nvPr>
+            <p:ph type="sldNum" idx="12"/>
+          </p:nvPr>
+        </p:nvSpPr>
+        <p:spPr>
+          <a:xfrm>
+            <a:off x="8480584" y="4749851"/>
+            <a:ext cx="548700" cy="393600"/>
+          </a:xfrm>
+          <a:prstGeom prst="rect">
+            <a:avLst/>
+          </a:prstGeom>
+        </p:spPr>
+        <p:txBody>
+          <a:bodyPr spcFirstLastPara="1" wrap="square" lIns="0" tIns="0" rIns="0" bIns="0" anchor="ctr" anchorCtr="0">
+            <a:noAutofit/>
+          </a:bodyPr>
+          <a:lstStyle/>
+          <a:p>
+            <a:pPr marL="0" lvl="0" indent="0" algn="r" rtl="0">
+              <a:spcBef>
+                <a:spcPts val="0"/>
+              </a:spcBef>
+              <a:spcAft>
+                <a:spcPts val="0"/>
+              </a:spcAft>
+              <a:buNone/>
+            </a:pPr>
+            <a:fld id="{00000000-1234-1234-1234-123412341234}" type="slidenum">
+              <a:rPr lang="en"/>
+              <a:t>10</a:t>
+            </a:fld>
+            <a:endParaRPr/>
+          </a:p>
+        </p:txBody>
+      </p:sp>
+      <p:pic>
+        <p:nvPicPr>
+          <p:cNvPr id="114" name="Google Shape;114;p19"/>
+          <p:cNvPicPr preferRelativeResize="0"/>
+          <p:nvPr/>
+        </p:nvPicPr>
+        <p:blipFill>
+          <a:blip r:embed="rId4">
+            <a:alphaModFix/>
+          </a:blip>
+          <a:stretch>
+            <a:fillRect/>
+          </a:stretch>
+        </p:blipFill>
+        <p:spPr>
+          <a:xfrm>
+            <a:off x="4386955" y="1434470"/>
+            <a:ext cx="481900" cy="555275"/>
+          </a:xfrm>
+          <a:prstGeom prst="rect">
+            <a:avLst/>
+          </a:prstGeom>
+          <a:noFill/>
+          <a:ln>
+            <a:noFill/>
+          </a:ln>
+        </p:spPr>
+      </p:pic>
+      <p:pic>
+        <p:nvPicPr>
+          <p:cNvPr id="115" name="Google Shape;115;p19"/>
+          <p:cNvPicPr preferRelativeResize="0"/>
+          <p:nvPr/>
+        </p:nvPicPr>
+        <p:blipFill>
+          <a:blip r:embed="rId5">
+            <a:alphaModFix/>
+          </a:blip>
+          <a:stretch>
+            <a:fillRect/>
+          </a:stretch>
+        </p:blipFill>
+        <p:spPr>
+          <a:xfrm>
+            <a:off x="4569684" y="1556163"/>
+            <a:ext cx="481900" cy="555275"/>
+          </a:xfrm>
+          <a:prstGeom prst="rect">
+            <a:avLst/>
+          </a:prstGeom>
+          <a:noFill/>
+          <a:ln>
+            <a:noFill/>
+          </a:ln>
+        </p:spPr>
+      </p:pic>
+      <p:pic>
+        <p:nvPicPr>
+          <p:cNvPr id="116" name="Google Shape;116;p19"/>
+          <p:cNvPicPr preferRelativeResize="0"/>
+          <p:nvPr/>
+        </p:nvPicPr>
+        <p:blipFill>
+          <a:blip r:embed="rId6">
+            <a:alphaModFix/>
+          </a:blip>
+          <a:stretch>
+            <a:fillRect/>
+          </a:stretch>
+        </p:blipFill>
+        <p:spPr>
+          <a:xfrm>
+            <a:off x="5654025" y="2170138"/>
+            <a:ext cx="1111472" cy="961913"/>
+          </a:xfrm>
+          <a:prstGeom prst="rect">
+            <a:avLst/>
+          </a:prstGeom>
+          <a:noFill/>
+          <a:ln>
+            <a:noFill/>
+          </a:ln>
+        </p:spPr>
+      </p:pic>
+      <p:pic>
+        <p:nvPicPr>
+          <p:cNvPr id="117" name="Google Shape;117;p19"/>
+          <p:cNvPicPr preferRelativeResize="0"/>
+          <p:nvPr/>
+        </p:nvPicPr>
+        <p:blipFill>
+          <a:blip r:embed="rId6">
+            <a:alphaModFix/>
+          </a:blip>
+          <a:stretch>
+            <a:fillRect/>
+          </a:stretch>
+        </p:blipFill>
+        <p:spPr>
+          <a:xfrm>
+            <a:off x="5654025" y="1777572"/>
+            <a:ext cx="1111472" cy="961913"/>
+          </a:xfrm>
+          <a:prstGeom prst="rect">
+            <a:avLst/>
+          </a:prstGeom>
+          <a:noFill/>
+          <a:ln>
+            <a:noFill/>
+          </a:ln>
+        </p:spPr>
+      </p:pic>
+      <p:pic>
+        <p:nvPicPr>
+          <p:cNvPr id="118" name="Google Shape;118;p19"/>
+          <p:cNvPicPr preferRelativeResize="0"/>
+          <p:nvPr/>
+        </p:nvPicPr>
+        <p:blipFill>
+          <a:blip r:embed="rId7">
+            <a:alphaModFix/>
+          </a:blip>
+          <a:stretch>
+            <a:fillRect/>
+          </a:stretch>
+        </p:blipFill>
+        <p:spPr>
+          <a:xfrm>
+            <a:off x="5587011" y="756240"/>
+            <a:ext cx="1245500" cy="799942"/>
+          </a:xfrm>
+          <a:prstGeom prst="rect">
+            <a:avLst/>
+          </a:prstGeom>
+          <a:noFill/>
+          <a:ln>
+            <a:noFill/>
+          </a:ln>
+        </p:spPr>
+      </p:pic>
+      <p:pic>
+        <p:nvPicPr>
+          <p:cNvPr id="119" name="Google Shape;119;p19"/>
+          <p:cNvPicPr preferRelativeResize="0"/>
+          <p:nvPr/>
+        </p:nvPicPr>
+        <p:blipFill>
+          <a:blip r:embed="rId8">
+            <a:alphaModFix/>
+          </a:blip>
+          <a:stretch>
+            <a:fillRect/>
+          </a:stretch>
+        </p:blipFill>
+        <p:spPr>
+          <a:xfrm>
+            <a:off x="7380302" y="1666762"/>
+            <a:ext cx="848475" cy="555275"/>
+          </a:xfrm>
+          <a:prstGeom prst="rect">
+            <a:avLst/>
+          </a:prstGeom>
+          <a:noFill/>
+          <a:ln>
+            <a:noFill/>
+          </a:ln>
+        </p:spPr>
+      </p:pic>
+      <p:cxnSp>
+        <p:nvCxnSpPr>
+          <p:cNvPr id="120" name="Google Shape;120;p19"/>
+          <p:cNvCxnSpPr/>
+          <p:nvPr/>
+        </p:nvCxnSpPr>
+        <p:spPr>
+          <a:xfrm>
+            <a:off x="6958825" y="3257288"/>
+            <a:ext cx="664200" cy="383400"/>
+          </a:xfrm>
+          <a:prstGeom prst="straightConnector1">
+            <a:avLst/>
+          </a:prstGeom>
+          <a:noFill/>
+          <a:ln w="19050" cap="rnd" cmpd="sng">
+            <a:solidFill>
+              <a:schemeClr val="accent3"/>
+            </a:solidFill>
+            <a:prstDash val="dash"/>
+            <a:round/>
+            <a:headEnd type="none" w="med" len="med"/>
+            <a:tailEnd type="none" w="med" len="med"/>
+          </a:ln>
+        </p:spPr>
+      </p:cxnSp>
+      <p:cxnSp>
+        <p:nvCxnSpPr>
+          <p:cNvPr id="121" name="Google Shape;121;p19"/>
+          <p:cNvCxnSpPr/>
+          <p:nvPr/>
+        </p:nvCxnSpPr>
+        <p:spPr>
+          <a:xfrm>
+            <a:off x="4910575" y="2035238"/>
+            <a:ext cx="559800" cy="323100"/>
+          </a:xfrm>
+          <a:prstGeom prst="straightConnector1">
+            <a:avLst/>
+          </a:prstGeom>
+          <a:noFill/>
+          <a:ln w="19050" cap="rnd" cmpd="sng">
+            <a:solidFill>
+              <a:schemeClr val="accent6"/>
+            </a:solidFill>
+            <a:prstDash val="dash"/>
+            <a:round/>
+            <a:headEnd type="none" w="med" len="med"/>
+            <a:tailEnd type="none" w="med" len="med"/>
+          </a:ln>
+        </p:spPr>
+      </p:cxnSp>
+      <p:pic>
+        <p:nvPicPr>
+          <p:cNvPr id="122" name="Google Shape;122;p19"/>
+          <p:cNvPicPr preferRelativeResize="0"/>
+          <p:nvPr/>
+        </p:nvPicPr>
+        <p:blipFill>
+          <a:blip r:embed="rId9">
+            <a:alphaModFix/>
+          </a:blip>
+          <a:stretch>
+            <a:fillRect/>
+          </a:stretch>
+        </p:blipFill>
+        <p:spPr>
+          <a:xfrm>
+            <a:off x="7703038" y="1370716"/>
+            <a:ext cx="190716" cy="555275"/>
+          </a:xfrm>
+          <a:prstGeom prst="rect">
+            <a:avLst/>
+          </a:prstGeom>
+          <a:noFill/>
+          <a:ln>
+            <a:noFill/>
+          </a:ln>
+        </p:spPr>
+      </p:pic>
+      <p:cxnSp>
+        <p:nvCxnSpPr>
+          <p:cNvPr id="123" name="Google Shape;123;p19"/>
+          <p:cNvCxnSpPr/>
+          <p:nvPr/>
+        </p:nvCxnSpPr>
+        <p:spPr>
+          <a:xfrm flipH="1">
+            <a:off x="4637575" y="3181088"/>
+            <a:ext cx="936600" cy="540900"/>
+          </a:xfrm>
+          <a:prstGeom prst="straightConnector1">
+            <a:avLst/>
+          </a:prstGeom>
+          <a:noFill/>
+          <a:ln w="19050" cap="rnd" cmpd="sng">
+            <a:solidFill>
+              <a:schemeClr val="accent3"/>
+            </a:solidFill>
+            <a:prstDash val="dash"/>
+            <a:round/>
+            <a:headEnd type="none" w="med" len="med"/>
+            <a:tailEnd type="none" w="med" len="med"/>
+          </a:ln>
+        </p:spPr>
+      </p:cxnSp>
+      <p:cxnSp>
+        <p:nvCxnSpPr>
+          <p:cNvPr id="124" name="Google Shape;124;p19"/>
+          <p:cNvCxnSpPr/>
+          <p:nvPr/>
+        </p:nvCxnSpPr>
+        <p:spPr>
+          <a:xfrm flipH="1">
+            <a:off x="6910225" y="2111438"/>
+            <a:ext cx="559800" cy="323100"/>
+          </a:xfrm>
+          <a:prstGeom prst="straightConnector1">
+            <a:avLst/>
+          </a:prstGeom>
+          <a:noFill/>
+          <a:ln w="19050" cap="rnd" cmpd="sng">
+            <a:solidFill>
+              <a:schemeClr val="accent1"/>
+            </a:solidFill>
+            <a:prstDash val="dash"/>
+            <a:round/>
+            <a:headEnd type="none" w="med" len="med"/>
+            <a:tailEnd type="none" w="med" len="med"/>
+          </a:ln>
+        </p:spPr>
+      </p:cxnSp>
+      <p:pic>
+        <p:nvPicPr>
+          <p:cNvPr id="125" name="Google Shape;125;p19"/>
+          <p:cNvPicPr preferRelativeResize="0"/>
+          <p:nvPr/>
+        </p:nvPicPr>
+        <p:blipFill>
+          <a:blip r:embed="rId10">
+            <a:alphaModFix/>
+          </a:blip>
+          <a:stretch>
+            <a:fillRect/>
+          </a:stretch>
+        </p:blipFill>
+        <p:spPr>
+          <a:xfrm>
+            <a:off x="4422863" y="2732996"/>
+            <a:ext cx="1019495" cy="1122001"/>
+          </a:xfrm>
+          <a:prstGeom prst="rect">
+            <a:avLst/>
+          </a:prstGeom>
+          <a:noFill/>
+          <a:ln>
+            <a:noFill/>
+          </a:ln>
+        </p:spPr>
+      </p:pic>
+      <p:pic>
+        <p:nvPicPr>
+          <p:cNvPr id="126" name="Google Shape;126;p19"/>
+          <p:cNvPicPr preferRelativeResize="0"/>
+          <p:nvPr/>
+        </p:nvPicPr>
+        <p:blipFill>
+          <a:blip r:embed="rId11">
+            <a:alphaModFix/>
+          </a:blip>
+          <a:stretch>
+            <a:fillRect/>
+          </a:stretch>
+        </p:blipFill>
+        <p:spPr>
+          <a:xfrm>
+            <a:off x="7660716" y="3287994"/>
+            <a:ext cx="430025" cy="599150"/>
+          </a:xfrm>
+          <a:prstGeom prst="rect">
+            <a:avLst/>
+          </a:prstGeom>
+          <a:noFill/>
+          <a:ln>
+            <a:noFill/>
+          </a:ln>
+        </p:spPr>
+      </p:pic>
+      <p:pic>
+        <p:nvPicPr>
+          <p:cNvPr id="127" name="Google Shape;127;p19"/>
+          <p:cNvPicPr preferRelativeResize="0"/>
+          <p:nvPr/>
+        </p:nvPicPr>
+        <p:blipFill>
+          <a:blip r:embed="rId12">
+            <a:alphaModFix/>
+          </a:blip>
+          <a:stretch>
+            <a:fillRect/>
+          </a:stretch>
+        </p:blipFill>
+        <p:spPr>
+          <a:xfrm>
+            <a:off x="8034133" y="3448355"/>
+            <a:ext cx="430025" cy="599150"/>
+          </a:xfrm>
+          <a:prstGeom prst="rect">
+            <a:avLst/>
+          </a:prstGeom>
+          <a:noFill/>
+          <a:ln>
+            <a:noFill/>
+          </a:ln>
+        </p:spPr>
+      </p:pic>
+      <p:sp>
+        <p:nvSpPr>
+          <p:cNvPr id="128" name="Google Shape;128;p19"/>
+          <p:cNvSpPr/>
+          <p:nvPr/>
+        </p:nvSpPr>
+        <p:spPr>
+          <a:xfrm>
+            <a:off x="6114350" y="1645250"/>
+            <a:ext cx="190800" cy="476700"/>
+          </a:xfrm>
+          <a:prstGeom prst="upDownArrow">
+            <a:avLst>
+              <a:gd name="adj1" fmla="val 50000"/>
+              <a:gd name="adj2" fmla="val 50000"/>
+            </a:avLst>
+          </a:prstGeom>
+          <a:gradFill>
+            <a:gsLst>
+              <a:gs pos="0">
+                <a:schemeClr val="accent4"/>
+              </a:gs>
+              <a:gs pos="100000">
+                <a:srgbClr val="00FFFF">
+                  <a:alpha val="0"/>
+                </a:srgbClr>
+              </a:gs>
+            </a:gsLst>
+            <a:lin ang="5400012" scaled="0"/>
+          </a:gradFill>
+          <a:ln>
+            <a:noFill/>
+          </a:ln>
+        </p:spPr>
+        <p:txBody>
+          <a:bodyPr spcFirstLastPara="1" wrap="square" lIns="91425" tIns="91425" rIns="91425" bIns="91425" anchor="ctr" anchorCtr="0">
+            <a:noAutofit/>
+          </a:bodyPr>
+          <a:lstStyle/>
+          <a:p>
+            <a:pPr marL="0" lvl="0" indent="0" algn="l" rtl="0">
+              <a:spcBef>
+                <a:spcPts val="0"/>
+              </a:spcBef>
+              <a:spcAft>
+                <a:spcPts val="0"/>
+              </a:spcAft>
+              <a:buNone/>
+            </a:pPr>
+            <a:endParaRPr/>
+          </a:p>
+        </p:txBody>
+      </p:sp>
+    </p:spTree>
+  </p:cSld>
+  <p:clrMapOvr>
+    <a:masterClrMapping/>
+  </p:clrMapOvr>
+</p:sld>
+</file>
+
+<file path=ppt/slides/slide11.xml><?xml version="1.0" encoding="utf-8"?>
+<p:sld xmlns:a="http://schemas.openxmlformats.org/drawingml/2006/main" xmlns:r="http://schemas.openxmlformats.org/officeDocument/2006/relationships" xmlns:p="http://schemas.openxmlformats.org/presentationml/2006/main">
+  <p:cSld>
+    <p:spTree>
+      <p:nvGrpSpPr>
+        <p:cNvPr id="1" name="Shape 93"/>
+        <p:cNvGrpSpPr/>
+        <p:nvPr/>
+      </p:nvGrpSpPr>
+      <p:grpSpPr>
+        <a:xfrm>
+          <a:off x="0" y="0"/>
+          <a:ext cx="0" cy="0"/>
+          <a:chOff x="0" y="0"/>
+          <a:chExt cx="0" cy="0"/>
+        </a:xfrm>
+      </p:grpSpPr>
+      <p:sp>
+        <p:nvSpPr>
+          <p:cNvPr id="94" name="Google Shape;94;p17"/>
+          <p:cNvSpPr txBox="1">
+            <a:spLocks noGrp="1"/>
+          </p:cNvSpPr>
+          <p:nvPr>
+            <p:ph type="ctrTitle"/>
+          </p:nvPr>
+        </p:nvSpPr>
+        <p:spPr>
+          <a:xfrm>
+            <a:off x="685800" y="1659550"/>
+            <a:ext cx="4263900" cy="1159800"/>
+          </a:xfrm>
+          <a:prstGeom prst="rect">
+            <a:avLst/>
+          </a:prstGeom>
+        </p:spPr>
+        <p:txBody>
+          <a:bodyPr spcFirstLastPara="1" wrap="square" lIns="0" tIns="0" rIns="0" bIns="0" anchor="b" anchorCtr="0">
+            <a:noAutofit/>
+          </a:bodyPr>
+          <a:lstStyle/>
+          <a:p>
+            <a:pPr marL="0" lvl="0" indent="0" algn="l" rtl="0">
+              <a:spcBef>
+                <a:spcPts val="0"/>
+              </a:spcBef>
+              <a:spcAft>
+                <a:spcPts val="0"/>
+              </a:spcAft>
+              <a:buNone/>
+            </a:pPr>
+            <a:endParaRPr dirty="0"/>
+          </a:p>
+          <a:p>
+            <a:pPr marL="0" lvl="0" indent="0" algn="l" rtl="0">
+              <a:spcBef>
+                <a:spcPts val="0"/>
+              </a:spcBef>
+              <a:spcAft>
+                <a:spcPts val="0"/>
+              </a:spcAft>
+              <a:buNone/>
+            </a:pPr>
+            <a:r>
+              <a:rPr lang="en" sz="6000" dirty="0">
+                <a:solidFill>
+                  <a:schemeClr val="bg1"/>
+                </a:solidFill>
+              </a:rPr>
+              <a:t>Questions?</a:t>
+            </a:r>
+            <a:endParaRPr sz="6000" dirty="0">
+              <a:solidFill>
+                <a:schemeClr val="bg1"/>
+              </a:solidFill>
+            </a:endParaRPr>
+          </a:p>
+        </p:txBody>
+      </p:sp>
+      <p:pic>
+        <p:nvPicPr>
+          <p:cNvPr id="96" name="Google Shape;96;p17"/>
+          <p:cNvPicPr preferRelativeResize="0"/>
+          <p:nvPr/>
+        </p:nvPicPr>
+        <p:blipFill>
+          <a:blip r:embed="rId3">
+            <a:alphaModFix/>
+          </a:blip>
+          <a:stretch>
+            <a:fillRect/>
+          </a:stretch>
+        </p:blipFill>
+        <p:spPr>
+          <a:xfrm>
+            <a:off x="5722705" y="2045304"/>
+            <a:ext cx="2219340" cy="1159800"/>
+          </a:xfrm>
+          <a:prstGeom prst="rect">
+            <a:avLst/>
+          </a:prstGeom>
+          <a:noFill/>
+          <a:ln>
+            <a:noFill/>
+          </a:ln>
+        </p:spPr>
+      </p:pic>
+      <p:pic>
+        <p:nvPicPr>
+          <p:cNvPr id="97" name="Google Shape;97;p17"/>
+          <p:cNvPicPr preferRelativeResize="0"/>
+          <p:nvPr/>
+        </p:nvPicPr>
+        <p:blipFill>
+          <a:blip r:embed="rId4">
+            <a:alphaModFix/>
+          </a:blip>
+          <a:stretch>
+            <a:fillRect/>
+          </a:stretch>
+        </p:blipFill>
+        <p:spPr>
+          <a:xfrm>
+            <a:off x="5790680" y="2449022"/>
+            <a:ext cx="145275" cy="423000"/>
+          </a:xfrm>
+          <a:prstGeom prst="rect">
+            <a:avLst/>
+          </a:prstGeom>
+          <a:noFill/>
+          <a:ln>
+            <a:noFill/>
+          </a:ln>
+        </p:spPr>
+      </p:pic>
+      <p:pic>
+        <p:nvPicPr>
+          <p:cNvPr id="98" name="Google Shape;98;p17"/>
+          <p:cNvPicPr preferRelativeResize="0"/>
+          <p:nvPr/>
+        </p:nvPicPr>
+        <p:blipFill>
+          <a:blip r:embed="rId5">
+            <a:alphaModFix/>
+          </a:blip>
+          <a:stretch>
+            <a:fillRect/>
+          </a:stretch>
+        </p:blipFill>
+        <p:spPr>
+          <a:xfrm>
+            <a:off x="6336726" y="1237502"/>
+            <a:ext cx="1032700" cy="1209125"/>
+          </a:xfrm>
+          <a:prstGeom prst="rect">
+            <a:avLst/>
+          </a:prstGeom>
+          <a:noFill/>
+          <a:ln>
+            <a:noFill/>
+          </a:ln>
+        </p:spPr>
+      </p:pic>
+    </p:spTree>
+    <p:extLst>
+      <p:ext uri="{BB962C8B-B14F-4D97-AF65-F5344CB8AC3E}">
+        <p14:creationId xmlns:p14="http://schemas.microsoft.com/office/powerpoint/2010/main" val="1862520348"/>
+      </p:ext>
+    </p:extLst>
   </p:cSld>
   <p:clrMapOvr>
     <a:masterClrMapping/>
@@ -7734,8 +8716,8 @@
         </p:nvSpPr>
         <p:spPr>
           <a:xfrm>
-            <a:off x="685800" y="2302047"/>
-            <a:ext cx="3617400" cy="1499700"/>
+            <a:off x="685799" y="2302047"/>
+            <a:ext cx="4069079" cy="1499700"/>
           </a:xfrm>
           <a:prstGeom prst="rect">
             <a:avLst/>
@@ -7797,7 +8779,7 @@
             </a:r>
             <a:r>
               <a:rPr lang="en-US" sz="1800" b="1" dirty="0"/>
-              <a:t> IAC</a:t>
+              <a:t> IAC professionally</a:t>
             </a:r>
           </a:p>
           <a:p>
@@ -9698,7 +10680,7 @@
   <p:cSld>
     <p:spTree>
       <p:nvGrpSpPr>
-        <p:cNvPr id="1" name="Shape 109"/>
+        <p:cNvPr id="1" name="Shape 140"/>
         <p:cNvGrpSpPr/>
         <p:nvPr/>
       </p:nvGrpSpPr>
@@ -9710,55 +10692,27 @@
           <a:chExt cx="0" cy="0"/>
         </a:xfrm>
       </p:grpSpPr>
-      <p:pic>
-        <p:nvPicPr>
-          <p:cNvPr id="110" name="Google Shape;110;p19"/>
-          <p:cNvPicPr preferRelativeResize="0"/>
-          <p:nvPr/>
-        </p:nvPicPr>
-        <p:blipFill>
-          <a:blip r:embed="rId3">
-            <a:alphaModFix/>
-          </a:blip>
-          <a:stretch>
-            <a:fillRect/>
-          </a:stretch>
-        </p:blipFill>
-        <p:spPr>
-          <a:xfrm>
-            <a:off x="5210416" y="2211062"/>
-            <a:ext cx="2017495" cy="1209250"/>
-          </a:xfrm>
-          <a:prstGeom prst="rect">
-            <a:avLst/>
-          </a:prstGeom>
-          <a:noFill/>
-          <a:ln>
-            <a:noFill/>
-          </a:ln>
-        </p:spPr>
-      </p:pic>
       <p:sp>
         <p:nvSpPr>
-          <p:cNvPr id="111" name="Google Shape;111;p19"/>
+          <p:cNvPr id="141" name="Google Shape;141;p21"/>
           <p:cNvSpPr txBox="1">
             <a:spLocks noGrp="1"/>
           </p:cNvSpPr>
           <p:nvPr>
-            <p:ph type="ctrTitle" idx="4294967295"/>
+            <p:ph type="title"/>
           </p:nvPr>
         </p:nvSpPr>
         <p:spPr>
           <a:xfrm>
-            <a:off x="685800" y="1032750"/>
-            <a:ext cx="3332700" cy="1980600"/>
+            <a:off x="580550" y="205975"/>
+            <a:ext cx="6405600" cy="857400"/>
           </a:xfrm>
           <a:prstGeom prst="rect">
             <a:avLst/>
           </a:prstGeom>
         </p:spPr>
         <p:txBody>
-          <a:bodyPr spcFirstLastPara="1" wrap="square" lIns="0" tIns="0" rIns="0" bIns="0" anchor="t" anchorCtr="0">
+          <a:bodyPr spcFirstLastPara="1" wrap="square" lIns="0" tIns="0" rIns="0" bIns="0" anchor="b" anchorCtr="0">
             <a:noAutofit/>
           </a:bodyPr>
           <a:lstStyle/>
@@ -9773,28 +10727,24 @@
               <a:buNone/>
             </a:pPr>
             <a:r>
-              <a:rPr lang="en" sz="6000" dirty="0"/>
-              <a:t>Let Me </a:t>
-            </a:r>
-            <a:r>
-              <a:rPr lang="en" sz="6000" dirty="0">
+              <a:rPr lang="en-US" dirty="0">
                 <a:solidFill>
                   <a:schemeClr val="accent6"/>
                 </a:solidFill>
               </a:rPr>
-              <a:t>Show</a:t>
+              <a:t>First Class </a:t>
             </a:r>
             <a:r>
-              <a:rPr lang="en" sz="6000" dirty="0"/>
-              <a:t> You</a:t>
+              <a:rPr lang="en-US" dirty="0"/>
+              <a:t>Support - Usability</a:t>
             </a:r>
-            <a:endParaRPr sz="6000" dirty="0"/>
+            <a:endParaRPr dirty="0"/>
           </a:p>
         </p:txBody>
       </p:sp>
       <p:sp>
         <p:nvSpPr>
-          <p:cNvPr id="113" name="Google Shape;113;p19"/>
+          <p:cNvPr id="145" name="Google Shape;145;p21"/>
           <p:cNvSpPr txBox="1">
             <a:spLocks noGrp="1"/>
           </p:cNvSpPr>
@@ -9834,448 +10784,304 @@
           </a:p>
         </p:txBody>
       </p:sp>
-      <p:pic>
-        <p:nvPicPr>
-          <p:cNvPr id="114" name="Google Shape;114;p19"/>
-          <p:cNvPicPr preferRelativeResize="0"/>
-          <p:nvPr/>
-        </p:nvPicPr>
-        <p:blipFill>
-          <a:blip r:embed="rId4">
-            <a:alphaModFix/>
-          </a:blip>
-          <a:stretch>
-            <a:fillRect/>
-          </a:stretch>
-        </p:blipFill>
-        <p:spPr>
-          <a:xfrm>
-            <a:off x="4386955" y="1434470"/>
-            <a:ext cx="481900" cy="555275"/>
-          </a:xfrm>
-          <a:prstGeom prst="rect">
-            <a:avLst/>
-          </a:prstGeom>
-          <a:noFill/>
-          <a:ln>
-            <a:noFill/>
-          </a:ln>
-        </p:spPr>
-      </p:pic>
-      <p:pic>
-        <p:nvPicPr>
-          <p:cNvPr id="115" name="Google Shape;115;p19"/>
-          <p:cNvPicPr preferRelativeResize="0"/>
-          <p:nvPr/>
-        </p:nvPicPr>
-        <p:blipFill>
-          <a:blip r:embed="rId5">
-            <a:alphaModFix/>
-          </a:blip>
-          <a:stretch>
-            <a:fillRect/>
-          </a:stretch>
-        </p:blipFill>
-        <p:spPr>
-          <a:xfrm>
-            <a:off x="4569684" y="1556163"/>
-            <a:ext cx="481900" cy="555275"/>
-          </a:xfrm>
-          <a:prstGeom prst="rect">
-            <a:avLst/>
-          </a:prstGeom>
-          <a:noFill/>
-          <a:ln>
-            <a:noFill/>
-          </a:ln>
-        </p:spPr>
-      </p:pic>
-      <p:pic>
-        <p:nvPicPr>
-          <p:cNvPr id="116" name="Google Shape;116;p19"/>
-          <p:cNvPicPr preferRelativeResize="0"/>
-          <p:nvPr/>
-        </p:nvPicPr>
-        <p:blipFill>
-          <a:blip r:embed="rId6">
-            <a:alphaModFix/>
-          </a:blip>
-          <a:stretch>
-            <a:fillRect/>
-          </a:stretch>
-        </p:blipFill>
-        <p:spPr>
-          <a:xfrm>
-            <a:off x="5654025" y="2170138"/>
-            <a:ext cx="1111472" cy="961913"/>
-          </a:xfrm>
-          <a:prstGeom prst="rect">
-            <a:avLst/>
-          </a:prstGeom>
-          <a:noFill/>
-          <a:ln>
-            <a:noFill/>
-          </a:ln>
-        </p:spPr>
-      </p:pic>
-      <p:pic>
-        <p:nvPicPr>
-          <p:cNvPr id="117" name="Google Shape;117;p19"/>
-          <p:cNvPicPr preferRelativeResize="0"/>
-          <p:nvPr/>
-        </p:nvPicPr>
-        <p:blipFill>
-          <a:blip r:embed="rId6">
-            <a:alphaModFix/>
-          </a:blip>
-          <a:stretch>
-            <a:fillRect/>
-          </a:stretch>
-        </p:blipFill>
-        <p:spPr>
-          <a:xfrm>
-            <a:off x="5654025" y="1777572"/>
-            <a:ext cx="1111472" cy="961913"/>
-          </a:xfrm>
-          <a:prstGeom prst="rect">
-            <a:avLst/>
-          </a:prstGeom>
-          <a:noFill/>
-          <a:ln>
-            <a:noFill/>
-          </a:ln>
-        </p:spPr>
-      </p:pic>
-      <p:pic>
-        <p:nvPicPr>
-          <p:cNvPr id="118" name="Google Shape;118;p19"/>
-          <p:cNvPicPr preferRelativeResize="0"/>
-          <p:nvPr/>
-        </p:nvPicPr>
-        <p:blipFill>
-          <a:blip r:embed="rId7">
-            <a:alphaModFix/>
-          </a:blip>
-          <a:stretch>
-            <a:fillRect/>
-          </a:stretch>
-        </p:blipFill>
-        <p:spPr>
-          <a:xfrm>
-            <a:off x="5587011" y="756240"/>
-            <a:ext cx="1245500" cy="799942"/>
-          </a:xfrm>
-          <a:prstGeom prst="rect">
-            <a:avLst/>
-          </a:prstGeom>
-          <a:noFill/>
-          <a:ln>
-            <a:noFill/>
-          </a:ln>
-        </p:spPr>
-      </p:pic>
-      <p:pic>
-        <p:nvPicPr>
-          <p:cNvPr id="119" name="Google Shape;119;p19"/>
-          <p:cNvPicPr preferRelativeResize="0"/>
-          <p:nvPr/>
-        </p:nvPicPr>
-        <p:blipFill>
-          <a:blip r:embed="rId8">
-            <a:alphaModFix/>
-          </a:blip>
-          <a:stretch>
-            <a:fillRect/>
-          </a:stretch>
-        </p:blipFill>
-        <p:spPr>
-          <a:xfrm>
-            <a:off x="7380302" y="1666762"/>
-            <a:ext cx="848475" cy="555275"/>
-          </a:xfrm>
-          <a:prstGeom prst="rect">
-            <a:avLst/>
-          </a:prstGeom>
-          <a:noFill/>
-          <a:ln>
-            <a:noFill/>
-          </a:ln>
-        </p:spPr>
-      </p:pic>
-      <p:cxnSp>
-        <p:nvCxnSpPr>
-          <p:cNvPr id="120" name="Google Shape;120;p19"/>
-          <p:cNvCxnSpPr/>
-          <p:nvPr/>
-        </p:nvCxnSpPr>
-        <p:spPr>
-          <a:xfrm>
-            <a:off x="6958825" y="3257288"/>
-            <a:ext cx="664200" cy="383400"/>
-          </a:xfrm>
-          <a:prstGeom prst="straightConnector1">
-            <a:avLst/>
-          </a:prstGeom>
-          <a:noFill/>
-          <a:ln w="19050" cap="rnd" cmpd="sng">
-            <a:solidFill>
-              <a:schemeClr val="accent3"/>
-            </a:solidFill>
-            <a:prstDash val="dash"/>
-            <a:round/>
-            <a:headEnd type="none" w="med" len="med"/>
-            <a:tailEnd type="none" w="med" len="med"/>
-          </a:ln>
-        </p:spPr>
-      </p:cxnSp>
-      <p:cxnSp>
-        <p:nvCxnSpPr>
-          <p:cNvPr id="121" name="Google Shape;121;p19"/>
-          <p:cNvCxnSpPr/>
-          <p:nvPr/>
-        </p:nvCxnSpPr>
-        <p:spPr>
-          <a:xfrm>
-            <a:off x="4910575" y="2035238"/>
-            <a:ext cx="559800" cy="323100"/>
-          </a:xfrm>
-          <a:prstGeom prst="straightConnector1">
-            <a:avLst/>
-          </a:prstGeom>
-          <a:noFill/>
-          <a:ln w="19050" cap="rnd" cmpd="sng">
-            <a:solidFill>
-              <a:schemeClr val="accent6"/>
-            </a:solidFill>
-            <a:prstDash val="dash"/>
-            <a:round/>
-            <a:headEnd type="none" w="med" len="med"/>
-            <a:tailEnd type="none" w="med" len="med"/>
-          </a:ln>
-        </p:spPr>
-      </p:cxnSp>
-      <p:pic>
-        <p:nvPicPr>
-          <p:cNvPr id="122" name="Google Shape;122;p19"/>
-          <p:cNvPicPr preferRelativeResize="0"/>
-          <p:nvPr/>
-        </p:nvPicPr>
-        <p:blipFill>
-          <a:blip r:embed="rId9">
-            <a:alphaModFix/>
-          </a:blip>
-          <a:stretch>
-            <a:fillRect/>
-          </a:stretch>
-        </p:blipFill>
-        <p:spPr>
-          <a:xfrm>
-            <a:off x="7703038" y="1370716"/>
-            <a:ext cx="190716" cy="555275"/>
-          </a:xfrm>
-          <a:prstGeom prst="rect">
-            <a:avLst/>
-          </a:prstGeom>
-          <a:noFill/>
-          <a:ln>
-            <a:noFill/>
-          </a:ln>
-        </p:spPr>
-      </p:pic>
-      <p:cxnSp>
-        <p:nvCxnSpPr>
-          <p:cNvPr id="123" name="Google Shape;123;p19"/>
-          <p:cNvCxnSpPr/>
-          <p:nvPr/>
-        </p:nvCxnSpPr>
-        <p:spPr>
-          <a:xfrm flipH="1">
-            <a:off x="4637575" y="3181088"/>
-            <a:ext cx="936600" cy="540900"/>
-          </a:xfrm>
-          <a:prstGeom prst="straightConnector1">
-            <a:avLst/>
-          </a:prstGeom>
-          <a:noFill/>
-          <a:ln w="19050" cap="rnd" cmpd="sng">
-            <a:solidFill>
-              <a:schemeClr val="accent3"/>
-            </a:solidFill>
-            <a:prstDash val="dash"/>
-            <a:round/>
-            <a:headEnd type="none" w="med" len="med"/>
-            <a:tailEnd type="none" w="med" len="med"/>
-          </a:ln>
-        </p:spPr>
-      </p:cxnSp>
-      <p:cxnSp>
-        <p:nvCxnSpPr>
-          <p:cNvPr id="124" name="Google Shape;124;p19"/>
-          <p:cNvCxnSpPr/>
-          <p:nvPr/>
-        </p:nvCxnSpPr>
-        <p:spPr>
-          <a:xfrm flipH="1">
-            <a:off x="6910225" y="2111438"/>
-            <a:ext cx="559800" cy="323100"/>
-          </a:xfrm>
-          <a:prstGeom prst="straightConnector1">
-            <a:avLst/>
-          </a:prstGeom>
-          <a:noFill/>
-          <a:ln w="19050" cap="rnd" cmpd="sng">
-            <a:solidFill>
-              <a:schemeClr val="accent1"/>
-            </a:solidFill>
-            <a:prstDash val="dash"/>
-            <a:round/>
-            <a:headEnd type="none" w="med" len="med"/>
-            <a:tailEnd type="none" w="med" len="med"/>
-          </a:ln>
-        </p:spPr>
-      </p:cxnSp>
-      <p:pic>
-        <p:nvPicPr>
-          <p:cNvPr id="125" name="Google Shape;125;p19"/>
-          <p:cNvPicPr preferRelativeResize="0"/>
-          <p:nvPr/>
-        </p:nvPicPr>
-        <p:blipFill>
-          <a:blip r:embed="rId10">
-            <a:alphaModFix/>
-          </a:blip>
-          <a:stretch>
-            <a:fillRect/>
-          </a:stretch>
-        </p:blipFill>
-        <p:spPr>
-          <a:xfrm>
-            <a:off x="4422863" y="2732996"/>
-            <a:ext cx="1019495" cy="1122001"/>
-          </a:xfrm>
-          <a:prstGeom prst="rect">
-            <a:avLst/>
-          </a:prstGeom>
-          <a:noFill/>
-          <a:ln>
-            <a:noFill/>
-          </a:ln>
-        </p:spPr>
-      </p:pic>
-      <p:pic>
-        <p:nvPicPr>
-          <p:cNvPr id="126" name="Google Shape;126;p19"/>
-          <p:cNvPicPr preferRelativeResize="0"/>
-          <p:nvPr/>
-        </p:nvPicPr>
-        <p:blipFill>
-          <a:blip r:embed="rId11">
-            <a:alphaModFix/>
-          </a:blip>
-          <a:stretch>
-            <a:fillRect/>
-          </a:stretch>
-        </p:blipFill>
-        <p:spPr>
-          <a:xfrm>
-            <a:off x="7660716" y="3287994"/>
-            <a:ext cx="430025" cy="599150"/>
-          </a:xfrm>
-          <a:prstGeom prst="rect">
-            <a:avLst/>
-          </a:prstGeom>
-          <a:noFill/>
-          <a:ln>
-            <a:noFill/>
-          </a:ln>
-        </p:spPr>
-      </p:pic>
-      <p:pic>
-        <p:nvPicPr>
-          <p:cNvPr id="127" name="Google Shape;127;p19"/>
-          <p:cNvPicPr preferRelativeResize="0"/>
-          <p:nvPr/>
-        </p:nvPicPr>
-        <p:blipFill>
-          <a:blip r:embed="rId12">
-            <a:alphaModFix/>
-          </a:blip>
-          <a:stretch>
-            <a:fillRect/>
-          </a:stretch>
-        </p:blipFill>
-        <p:spPr>
-          <a:xfrm>
-            <a:off x="8034133" y="3448355"/>
-            <a:ext cx="430025" cy="599150"/>
-          </a:xfrm>
-          <a:prstGeom prst="rect">
-            <a:avLst/>
-          </a:prstGeom>
-          <a:noFill/>
-          <a:ln>
-            <a:noFill/>
-          </a:ln>
-        </p:spPr>
-      </p:pic>
       <p:sp>
         <p:nvSpPr>
-          <p:cNvPr id="128" name="Google Shape;128;p19"/>
-          <p:cNvSpPr/>
-          <p:nvPr/>
+          <p:cNvPr id="3" name="Text Placeholder 2">
+            <a:extLst>
+              <a:ext uri="{FF2B5EF4-FFF2-40B4-BE49-F238E27FC236}">
+                <a16:creationId xmlns:a16="http://schemas.microsoft.com/office/drawing/2014/main" id="{A32DF8ED-3E4F-147C-CB38-CFC056AF3E20}"/>
+              </a:ext>
+            </a:extLst>
+          </p:cNvPr>
+          <p:cNvSpPr>
+            <a:spLocks noGrp="1"/>
+          </p:cNvSpPr>
+          <p:nvPr>
+            <p:ph type="body" idx="1"/>
+          </p:nvPr>
         </p:nvSpPr>
         <p:spPr>
           <a:xfrm>
-            <a:off x="6114350" y="1645250"/>
-            <a:ext cx="190800" cy="476700"/>
+            <a:off x="618978" y="1352549"/>
+            <a:ext cx="6471138" cy="3139733"/>
           </a:xfrm>
-          <a:prstGeom prst="upDownArrow">
-            <a:avLst>
-              <a:gd name="adj1" fmla="val 50000"/>
-              <a:gd name="adj2" fmla="val 50000"/>
-            </a:avLst>
-          </a:prstGeom>
-          <a:gradFill>
-            <a:gsLst>
-              <a:gs pos="0">
-                <a:schemeClr val="accent4"/>
-              </a:gs>
-              <a:gs pos="100000">
-                <a:srgbClr val="00FFFF">
-                  <a:alpha val="0"/>
-                </a:srgbClr>
-              </a:gs>
-            </a:gsLst>
-            <a:lin ang="5400012" scaled="0"/>
-          </a:gradFill>
-          <a:ln>
-            <a:noFill/>
-          </a:ln>
         </p:spPr>
         <p:txBody>
-          <a:bodyPr spcFirstLastPara="1" wrap="square" lIns="91425" tIns="91425" rIns="91425" bIns="91425" anchor="ctr" anchorCtr="0">
-            <a:noAutofit/>
-          </a:bodyPr>
+          <a:bodyPr/>
           <a:lstStyle/>
           <a:p>
-            <a:pPr marL="0" lvl="0" indent="0" algn="l" rtl="0">
-              <a:spcBef>
-                <a:spcPts val="0"/>
-              </a:spcBef>
-              <a:spcAft>
-                <a:spcPts val="0"/>
-              </a:spcAft>
-              <a:buNone/>
-            </a:pPr>
-            <a:endParaRPr/>
+            <a:r>
+              <a:rPr lang="en-US" dirty="0"/>
+              <a:t>Great support with VS Code</a:t>
+            </a:r>
+          </a:p>
+          <a:p>
+            <a:pPr lvl="1"/>
+            <a:r>
+              <a:rPr lang="en-US" dirty="0"/>
+              <a:t>Language support</a:t>
+            </a:r>
+          </a:p>
+          <a:p>
+            <a:pPr lvl="1"/>
+            <a:r>
+              <a:rPr lang="en-US" dirty="0">
+                <a:solidFill>
+                  <a:schemeClr val="bg1"/>
+                </a:solidFill>
+              </a:rPr>
+              <a:t>Build to ARM</a:t>
+            </a:r>
+          </a:p>
+          <a:p>
+            <a:pPr lvl="1"/>
+            <a:r>
+              <a:rPr lang="en-US" dirty="0">
+                <a:solidFill>
+                  <a:schemeClr val="bg1"/>
+                </a:solidFill>
+              </a:rPr>
+              <a:t>Visualize infrastructure</a:t>
+            </a:r>
           </a:p>
         </p:txBody>
       </p:sp>
     </p:spTree>
+    <p:extLst>
+      <p:ext uri="{BB962C8B-B14F-4D97-AF65-F5344CB8AC3E}">
+        <p14:creationId xmlns:p14="http://schemas.microsoft.com/office/powerpoint/2010/main" val="1247642712"/>
+      </p:ext>
+    </p:extLst>
   </p:cSld>
   <p:clrMapOvr>
     <a:masterClrMapping/>
   </p:clrMapOvr>
+  <p:timing>
+    <p:tnLst>
+      <p:par>
+        <p:cTn id="1" dur="indefinite" restart="never" nodeType="tmRoot">
+          <p:childTnLst>
+            <p:seq concurrent="1" nextAc="seek">
+              <p:cTn id="2" dur="indefinite" nodeType="mainSeq">
+                <p:childTnLst>
+                  <p:par>
+                    <p:cTn id="3" fill="hold">
+                      <p:stCondLst>
+                        <p:cond delay="indefinite"/>
+                      </p:stCondLst>
+                      <p:childTnLst>
+                        <p:par>
+                          <p:cTn id="4" fill="hold">
+                            <p:stCondLst>
+                              <p:cond delay="0"/>
+                            </p:stCondLst>
+                            <p:childTnLst>
+                              <p:par>
+                                <p:cTn id="5" presetID="1" presetClass="entr" presetSubtype="0" fill="hold" nodeType="clickEffect">
+                                  <p:stCondLst>
+                                    <p:cond delay="0"/>
+                                  </p:stCondLst>
+                                  <p:childTnLst>
+                                    <p:set>
+                                      <p:cBhvr>
+                                        <p:cTn id="6" dur="1" fill="hold">
+                                          <p:stCondLst>
+                                            <p:cond delay="0"/>
+                                          </p:stCondLst>
+                                        </p:cTn>
+                                        <p:tgtEl>
+                                          <p:spTgt spid="3">
+                                            <p:txEl>
+                                              <p:pRg st="0" end="0"/>
+                                            </p:txEl>
+                                          </p:spTgt>
+                                        </p:tgtEl>
+                                        <p:attrNameLst>
+                                          <p:attrName>style.visibility</p:attrName>
+                                        </p:attrNameLst>
+                                      </p:cBhvr>
+                                      <p:to>
+                                        <p:strVal val="visible"/>
+                                      </p:to>
+                                    </p:set>
+                                  </p:childTnLst>
+                                </p:cTn>
+                              </p:par>
+                            </p:childTnLst>
+                          </p:cTn>
+                        </p:par>
+                      </p:childTnLst>
+                    </p:cTn>
+                  </p:par>
+                  <p:par>
+                    <p:cTn id="7" fill="hold">
+                      <p:stCondLst>
+                        <p:cond delay="indefinite"/>
+                      </p:stCondLst>
+                      <p:childTnLst>
+                        <p:par>
+                          <p:cTn id="8" fill="hold">
+                            <p:stCondLst>
+                              <p:cond delay="0"/>
+                            </p:stCondLst>
+                            <p:childTnLst>
+                              <p:par>
+                                <p:cTn id="9" presetID="1" presetClass="entr" presetSubtype="0" fill="hold" nodeType="clickEffect">
+                                  <p:stCondLst>
+                                    <p:cond delay="0"/>
+                                  </p:stCondLst>
+                                  <p:childTnLst>
+                                    <p:set>
+                                      <p:cBhvr>
+                                        <p:cTn id="10" dur="1" fill="hold">
+                                          <p:stCondLst>
+                                            <p:cond delay="0"/>
+                                          </p:stCondLst>
+                                        </p:cTn>
+                                        <p:tgtEl>
+                                          <p:spTgt spid="3">
+                                            <p:txEl>
+                                              <p:pRg st="1" end="1"/>
+                                            </p:txEl>
+                                          </p:spTgt>
+                                        </p:tgtEl>
+                                        <p:attrNameLst>
+                                          <p:attrName>style.visibility</p:attrName>
+                                        </p:attrNameLst>
+                                      </p:cBhvr>
+                                      <p:to>
+                                        <p:strVal val="visible"/>
+                                      </p:to>
+                                    </p:set>
+                                  </p:childTnLst>
+                                </p:cTn>
+                              </p:par>
+                            </p:childTnLst>
+                          </p:cTn>
+                        </p:par>
+                      </p:childTnLst>
+                    </p:cTn>
+                  </p:par>
+                  <p:par>
+                    <p:cTn id="11" fill="hold">
+                      <p:stCondLst>
+                        <p:cond delay="indefinite"/>
+                      </p:stCondLst>
+                      <p:childTnLst>
+                        <p:par>
+                          <p:cTn id="12" fill="hold">
+                            <p:stCondLst>
+                              <p:cond delay="0"/>
+                            </p:stCondLst>
+                            <p:childTnLst>
+                              <p:par>
+                                <p:cTn id="13" presetID="1" presetClass="entr" presetSubtype="0" fill="hold" nodeType="clickEffect">
+                                  <p:stCondLst>
+                                    <p:cond delay="0"/>
+                                  </p:stCondLst>
+                                  <p:childTnLst>
+                                    <p:set>
+                                      <p:cBhvr>
+                                        <p:cTn id="14" dur="1" fill="hold">
+                                          <p:stCondLst>
+                                            <p:cond delay="0"/>
+                                          </p:stCondLst>
+                                        </p:cTn>
+                                        <p:tgtEl>
+                                          <p:spTgt spid="3">
+                                            <p:txEl>
+                                              <p:pRg st="2" end="2"/>
+                                            </p:txEl>
+                                          </p:spTgt>
+                                        </p:tgtEl>
+                                        <p:attrNameLst>
+                                          <p:attrName>style.visibility</p:attrName>
+                                        </p:attrNameLst>
+                                      </p:cBhvr>
+                                      <p:to>
+                                        <p:strVal val="visible"/>
+                                      </p:to>
+                                    </p:set>
+                                  </p:childTnLst>
+                                </p:cTn>
+                              </p:par>
+                            </p:childTnLst>
+                          </p:cTn>
+                        </p:par>
+                      </p:childTnLst>
+                    </p:cTn>
+                  </p:par>
+                  <p:par>
+                    <p:cTn id="15" fill="hold">
+                      <p:stCondLst>
+                        <p:cond delay="indefinite"/>
+                      </p:stCondLst>
+                      <p:childTnLst>
+                        <p:par>
+                          <p:cTn id="16" fill="hold">
+                            <p:stCondLst>
+                              <p:cond delay="0"/>
+                            </p:stCondLst>
+                            <p:childTnLst>
+                              <p:par>
+                                <p:cTn id="17" presetID="1" presetClass="entr" presetSubtype="0" fill="hold" nodeType="clickEffect">
+                                  <p:stCondLst>
+                                    <p:cond delay="0"/>
+                                  </p:stCondLst>
+                                  <p:childTnLst>
+                                    <p:set>
+                                      <p:cBhvr>
+                                        <p:cTn id="18" dur="1" fill="hold">
+                                          <p:stCondLst>
+                                            <p:cond delay="0"/>
+                                          </p:stCondLst>
+                                        </p:cTn>
+                                        <p:tgtEl>
+                                          <p:spTgt spid="3">
+                                            <p:txEl>
+                                              <p:pRg st="3" end="3"/>
+                                            </p:txEl>
+                                          </p:spTgt>
+                                        </p:tgtEl>
+                                        <p:attrNameLst>
+                                          <p:attrName>style.visibility</p:attrName>
+                                        </p:attrNameLst>
+                                      </p:cBhvr>
+                                      <p:to>
+                                        <p:strVal val="visible"/>
+                                      </p:to>
+                                    </p:set>
+                                  </p:childTnLst>
+                                </p:cTn>
+                              </p:par>
+                            </p:childTnLst>
+                          </p:cTn>
+                        </p:par>
+                      </p:childTnLst>
+                    </p:cTn>
+                  </p:par>
+                </p:childTnLst>
+              </p:cTn>
+              <p:prevCondLst>
+                <p:cond evt="onPrev" delay="0">
+                  <p:tgtEl>
+                    <p:sldTgt/>
+                  </p:tgtEl>
+                </p:cond>
+              </p:prevCondLst>
+              <p:nextCondLst>
+                <p:cond evt="onNext" delay="0">
+                  <p:tgtEl>
+                    <p:sldTgt/>
+                  </p:tgtEl>
+                </p:cond>
+              </p:nextCondLst>
+            </p:seq>
+          </p:childTnLst>
+        </p:cTn>
+      </p:par>
+    </p:tnLst>
+  </p:timing>
 </p:sld>
 </file>
 
